--- a/doc/주식자동매매설계서v2.0.pptx
+++ b/doc/주식자동매매설계서v2.0.pptx
@@ -298,7 +298,7 @@
           <a:p>
             <a:fld id="{FB30EDBD-1C2D-4C1E-B459-B60219FAB484}" type="datetimeFigureOut">
               <a:rPr lang="ko-KR" altLang="en-US" smtClean="0"/>
-              <a:t>2020-12-29</a:t>
+              <a:t>2020-12-30</a:t>
             </a:fld>
             <a:endParaRPr lang="ko-KR" altLang="en-US"/>
           </a:p>
@@ -463,7 +463,7 @@
           <a:p>
             <a:fld id="{FB30EDBD-1C2D-4C1E-B459-B60219FAB484}" type="datetimeFigureOut">
               <a:rPr lang="ko-KR" altLang="en-US" smtClean="0"/>
-              <a:t>2020-12-29</a:t>
+              <a:t>2020-12-30</a:t>
             </a:fld>
             <a:endParaRPr lang="ko-KR" altLang="en-US"/>
           </a:p>
@@ -638,7 +638,7 @@
           <a:p>
             <a:fld id="{FB30EDBD-1C2D-4C1E-B459-B60219FAB484}" type="datetimeFigureOut">
               <a:rPr lang="ko-KR" altLang="en-US" smtClean="0"/>
-              <a:t>2020-12-29</a:t>
+              <a:t>2020-12-30</a:t>
             </a:fld>
             <a:endParaRPr lang="ko-KR" altLang="en-US"/>
           </a:p>
@@ -803,7 +803,7 @@
           <a:p>
             <a:fld id="{FB30EDBD-1C2D-4C1E-B459-B60219FAB484}" type="datetimeFigureOut">
               <a:rPr lang="ko-KR" altLang="en-US" smtClean="0"/>
-              <a:t>2020-12-29</a:t>
+              <a:t>2020-12-30</a:t>
             </a:fld>
             <a:endParaRPr lang="ko-KR" altLang="en-US"/>
           </a:p>
@@ -1044,7 +1044,7 @@
           <a:p>
             <a:fld id="{FB30EDBD-1C2D-4C1E-B459-B60219FAB484}" type="datetimeFigureOut">
               <a:rPr lang="ko-KR" altLang="en-US" smtClean="0"/>
-              <a:t>2020-12-29</a:t>
+              <a:t>2020-12-30</a:t>
             </a:fld>
             <a:endParaRPr lang="ko-KR" altLang="en-US"/>
           </a:p>
@@ -1327,7 +1327,7 @@
           <a:p>
             <a:fld id="{FB30EDBD-1C2D-4C1E-B459-B60219FAB484}" type="datetimeFigureOut">
               <a:rPr lang="ko-KR" altLang="en-US" smtClean="0"/>
-              <a:t>2020-12-29</a:t>
+              <a:t>2020-12-30</a:t>
             </a:fld>
             <a:endParaRPr lang="ko-KR" altLang="en-US"/>
           </a:p>
@@ -1744,7 +1744,7 @@
           <a:p>
             <a:fld id="{FB30EDBD-1C2D-4C1E-B459-B60219FAB484}" type="datetimeFigureOut">
               <a:rPr lang="ko-KR" altLang="en-US" smtClean="0"/>
-              <a:t>2020-12-29</a:t>
+              <a:t>2020-12-30</a:t>
             </a:fld>
             <a:endParaRPr lang="ko-KR" altLang="en-US"/>
           </a:p>
@@ -1857,7 +1857,7 @@
           <a:p>
             <a:fld id="{FB30EDBD-1C2D-4C1E-B459-B60219FAB484}" type="datetimeFigureOut">
               <a:rPr lang="ko-KR" altLang="en-US" smtClean="0"/>
-              <a:t>2020-12-29</a:t>
+              <a:t>2020-12-30</a:t>
             </a:fld>
             <a:endParaRPr lang="ko-KR" altLang="en-US"/>
           </a:p>
@@ -1947,7 +1947,7 @@
           <a:p>
             <a:fld id="{FB30EDBD-1C2D-4C1E-B459-B60219FAB484}" type="datetimeFigureOut">
               <a:rPr lang="ko-KR" altLang="en-US" smtClean="0"/>
-              <a:t>2020-12-29</a:t>
+              <a:t>2020-12-30</a:t>
             </a:fld>
             <a:endParaRPr lang="ko-KR" altLang="en-US"/>
           </a:p>
@@ -2219,7 +2219,7 @@
           <a:p>
             <a:fld id="{FB30EDBD-1C2D-4C1E-B459-B60219FAB484}" type="datetimeFigureOut">
               <a:rPr lang="ko-KR" altLang="en-US" smtClean="0"/>
-              <a:t>2020-12-29</a:t>
+              <a:t>2020-12-30</a:t>
             </a:fld>
             <a:endParaRPr lang="ko-KR" altLang="en-US"/>
           </a:p>
@@ -2467,7 +2467,7 @@
           <a:p>
             <a:fld id="{FB30EDBD-1C2D-4C1E-B459-B60219FAB484}" type="datetimeFigureOut">
               <a:rPr lang="ko-KR" altLang="en-US" smtClean="0"/>
-              <a:t>2020-12-29</a:t>
+              <a:t>2020-12-30</a:t>
             </a:fld>
             <a:endParaRPr lang="ko-KR" altLang="en-US"/>
           </a:p>
@@ -2675,7 +2675,7 @@
           <a:p>
             <a:fld id="{FB30EDBD-1C2D-4C1E-B459-B60219FAB484}" type="datetimeFigureOut">
               <a:rPr lang="ko-KR" altLang="en-US" smtClean="0"/>
-              <a:t>2020-12-29</a:t>
+              <a:t>2020-12-30</a:t>
             </a:fld>
             <a:endParaRPr lang="ko-KR" altLang="en-US"/>
           </a:p>
@@ -3087,7 +3087,6 @@
               <a:rPr lang="en-US" altLang="ko-KR" dirty="0" smtClean="0"/>
               <a:t>v2.0</a:t>
             </a:r>
-            <a:endParaRPr lang="en-US" altLang="ko-KR" dirty="0" smtClean="0"/>
           </a:p>
           <a:p>
             <a:r>
@@ -3438,15 +3437,7 @@
                   <a:schemeClr val="tx1"/>
                 </a:solidFill>
               </a:rPr>
-              <a:t>현재 예수금 </a:t>
-            </a:r>
-            <a:r>
-              <a:rPr lang="ko-KR" altLang="en-US" dirty="0" smtClean="0">
-                <a:solidFill>
-                  <a:schemeClr val="tx1"/>
-                </a:solidFill>
-              </a:rPr>
-              <a:t>및 수익률 조회</a:t>
+              <a:t>현재 예수금 및 수익률 조회</a:t>
             </a:r>
             <a:endParaRPr lang="ko-KR" altLang="en-US" dirty="0">
               <a:solidFill>
@@ -4520,11 +4511,7 @@
             </a:r>
             <a:r>
               <a:rPr lang="ko-KR" altLang="en-US" dirty="0" smtClean="0"/>
-              <a:t>내 </a:t>
-            </a:r>
-            <a:r>
-              <a:rPr lang="ko-KR" altLang="en-US" dirty="0" smtClean="0"/>
-              <a:t>계좌 정보 조회</a:t>
+              <a:t>내 계좌 정보 조회</a:t>
             </a:r>
             <a:endParaRPr lang="ko-KR" altLang="en-US" dirty="0"/>
           </a:p>
@@ -5225,8 +5212,16 @@
               <a:t>- </a:t>
             </a:r>
             <a:r>
+              <a:rPr lang="ko-KR" altLang="en-US" dirty="0" smtClean="0">
+                <a:solidFill>
+                  <a:srgbClr val="FFFF00"/>
+                </a:solidFill>
+              </a:rPr>
+              <a:t>가격급등</a:t>
+            </a:r>
+            <a:r>
               <a:rPr lang="ko-KR" altLang="en-US" dirty="0" smtClean="0"/>
-              <a:t>신고가 </a:t>
+              <a:t> </a:t>
             </a:r>
             <a:r>
               <a:rPr lang="ko-KR" altLang="en-US" dirty="0" smtClean="0"/>
@@ -5301,6 +5296,9 @@
           <a:prstGeom prst="flowChartProcess">
             <a:avLst/>
           </a:prstGeom>
+          <a:solidFill>
+            <a:srgbClr val="FFFF00"/>
+          </a:solidFill>
         </p:spPr>
         <p:style>
           <a:lnRef idx="2">
@@ -5324,10 +5322,26 @@
           <a:p>
             <a:pPr algn="ctr"/>
             <a:r>
-              <a:rPr lang="ko-KR" altLang="en-US" dirty="0" smtClean="0"/>
-              <a:t>신고가 리스트 조회</a:t>
-            </a:r>
-            <a:endParaRPr lang="ko-KR" altLang="en-US" dirty="0"/>
+              <a:rPr lang="ko-KR" altLang="en-US" dirty="0" smtClean="0">
+                <a:solidFill>
+                  <a:schemeClr val="tx1"/>
+                </a:solidFill>
+              </a:rPr>
+              <a:t>가격급등 </a:t>
+            </a:r>
+            <a:r>
+              <a:rPr lang="ko-KR" altLang="en-US" dirty="0" smtClean="0">
+                <a:solidFill>
+                  <a:schemeClr val="tx1"/>
+                </a:solidFill>
+              </a:rPr>
+              <a:t>리스트 조회</a:t>
+            </a:r>
+            <a:endParaRPr lang="ko-KR" altLang="en-US" dirty="0">
+              <a:solidFill>
+                <a:schemeClr val="tx1"/>
+              </a:solidFill>
+            </a:endParaRPr>
           </a:p>
         </p:txBody>
       </p:sp>
@@ -5345,6 +5359,9 @@
           <a:prstGeom prst="flowChartProcess">
             <a:avLst/>
           </a:prstGeom>
+          <a:solidFill>
+            <a:srgbClr val="FFFF00"/>
+          </a:solidFill>
         </p:spPr>
         <p:style>
           <a:lnRef idx="2">
@@ -5368,10 +5385,26 @@
           <a:p>
             <a:pPr algn="ctr"/>
             <a:r>
-              <a:rPr lang="ko-KR" altLang="en-US" dirty="0" smtClean="0"/>
-              <a:t>신고가 리스트 저장</a:t>
-            </a:r>
-            <a:endParaRPr lang="ko-KR" altLang="en-US" dirty="0"/>
+              <a:rPr lang="ko-KR" altLang="en-US" dirty="0" smtClean="0">
+                <a:solidFill>
+                  <a:schemeClr val="tx1"/>
+                </a:solidFill>
+              </a:rPr>
+              <a:t>가격급등 </a:t>
+            </a:r>
+            <a:r>
+              <a:rPr lang="ko-KR" altLang="en-US" dirty="0" smtClean="0">
+                <a:solidFill>
+                  <a:schemeClr val="tx1"/>
+                </a:solidFill>
+              </a:rPr>
+              <a:t>리스트 저장</a:t>
+            </a:r>
+            <a:endParaRPr lang="ko-KR" altLang="en-US" dirty="0">
+              <a:solidFill>
+                <a:schemeClr val="tx1"/>
+              </a:solidFill>
+            </a:endParaRPr>
           </a:p>
         </p:txBody>
       </p:sp>
